--- a/4강/객체지향프로그래밍 이론.pptx
+++ b/4강/객체지향프로그래밍 이론.pptx
@@ -15,8 +15,7 @@
     <p:sldId id="262" r:id="rId9"/>
     <p:sldId id="263" r:id="rId10"/>
     <p:sldId id="265" r:id="rId11"/>
-    <p:sldId id="266" r:id="rId12"/>
-    <p:sldId id="267" r:id="rId13"/>
+    <p:sldId id="267" r:id="rId12"/>
   </p:sldIdLst>
   <p:sldSz cx="12192000" cy="6858000"/>
   <p:notesSz cx="6858000" cy="9144000"/>
@@ -115,6 +114,11 @@
       </a:defRPr>
     </a:lvl9pPr>
   </p:defaultTextStyle>
+  <p:extLst>
+    <p:ext uri="{EFAFB233-063F-42B5-8137-9DF3F51BA10A}">
+      <p15:sldGuideLst xmlns:p15="http://schemas.microsoft.com/office/powerpoint/2012/main"/>
+    </p:ext>
+  </p:extLst>
 </p:presentation>
 </file>
 
@@ -11932,92 +11936,6 @@
       </p:grpSpPr>
       <p:sp>
         <p:nvSpPr>
-          <p:cNvPr id="2" name="제목 1">
-            <a:extLst>
-              <a:ext uri="{FF2B5EF4-FFF2-40B4-BE49-F238E27FC236}">
-                <a16:creationId xmlns:a16="http://schemas.microsoft.com/office/drawing/2014/main" id="{9D78A15E-4D96-433B-9564-13D06B5F5BB3}"/>
-              </a:ext>
-            </a:extLst>
-          </p:cNvPr>
-          <p:cNvSpPr>
-            <a:spLocks noGrp="1"/>
-          </p:cNvSpPr>
-          <p:nvPr>
-            <p:ph type="title"/>
-          </p:nvPr>
-        </p:nvSpPr>
-        <p:spPr/>
-        <p:txBody>
-          <a:bodyPr/>
-          <a:lstStyle/>
-          <a:p>
-            <a:r>
-              <a:rPr lang="ko-KR" altLang="en-US" dirty="0">
-                <a:latin typeface="배달의민족 한나는 열한살" panose="020B0600000101010101" pitchFamily="50" charset="-127"/>
-                <a:ea typeface="배달의민족 한나는 열한살" panose="020B0600000101010101" pitchFamily="50" charset="-127"/>
-              </a:rPr>
-              <a:t>다음 시간에 할 것</a:t>
-            </a:r>
-          </a:p>
-        </p:txBody>
-      </p:sp>
-      <p:sp>
-        <p:nvSpPr>
-          <p:cNvPr id="10" name="내용 개체 틀 9">
-            <a:extLst>
-              <a:ext uri="{FF2B5EF4-FFF2-40B4-BE49-F238E27FC236}">
-                <a16:creationId xmlns:a16="http://schemas.microsoft.com/office/drawing/2014/main" id="{8EB2F76D-A36A-4909-A177-28B04F89F497}"/>
-              </a:ext>
-            </a:extLst>
-          </p:cNvPr>
-          <p:cNvSpPr>
-            <a:spLocks noGrp="1"/>
-          </p:cNvSpPr>
-          <p:nvPr>
-            <p:ph idx="1"/>
-          </p:nvPr>
-        </p:nvSpPr>
-        <p:spPr/>
-        <p:txBody>
-          <a:bodyPr/>
-          <a:lstStyle/>
-          <a:p>
-            <a:endParaRPr lang="ko-KR" altLang="en-US"/>
-          </a:p>
-        </p:txBody>
-      </p:sp>
-    </p:spTree>
-    <p:extLst>
-      <p:ext uri="{BB962C8B-B14F-4D97-AF65-F5344CB8AC3E}">
-        <p14:creationId xmlns:p14="http://schemas.microsoft.com/office/powerpoint/2010/main" val="914640591"/>
-      </p:ext>
-    </p:extLst>
-  </p:cSld>
-  <p:clrMapOvr>
-    <a:masterClrMapping/>
-  </p:clrMapOvr>
-</p:sld>
-</file>
-
-<file path=ppt/slides/slide12.xml><?xml version="1.0" encoding="utf-8"?>
-<p:sld xmlns:a="http://schemas.openxmlformats.org/drawingml/2006/main" xmlns:r="http://schemas.openxmlformats.org/officeDocument/2006/relationships" xmlns:p="http://schemas.openxmlformats.org/presentationml/2006/main">
-  <p:cSld>
-    <p:spTree>
-      <p:nvGrpSpPr>
-        <p:cNvPr id="1" name=""/>
-        <p:cNvGrpSpPr/>
-        <p:nvPr/>
-      </p:nvGrpSpPr>
-      <p:grpSpPr>
-        <a:xfrm>
-          <a:off x="0" y="0"/>
-          <a:ext cx="0" cy="0"/>
-          <a:chOff x="0" y="0"/>
-          <a:chExt cx="0" cy="0"/>
-        </a:xfrm>
-      </p:grpSpPr>
-      <p:sp>
-        <p:nvSpPr>
           <p:cNvPr id="4" name="제목 3">
             <a:extLst>
               <a:ext uri="{FF2B5EF4-FFF2-40B4-BE49-F238E27FC236}">
@@ -12263,13 +12181,12 @@
           </a:bodyPr>
           <a:lstStyle/>
           <a:p>
-            <a:pPr algn="ctr"/>
             <a:r>
               <a:rPr lang="ko-KR" altLang="en-US" dirty="0">
                 <a:latin typeface="배달의민족 한나는 열한살" panose="020B0600000101010101" pitchFamily="50" charset="-127"/>
                 <a:ea typeface="배달의민족 한나는 열한살" panose="020B0600000101010101" pitchFamily="50" charset="-127"/>
               </a:rPr>
-              <a:t>그런데 객체가 </a:t>
+              <a:t>그럼 객체가 </a:t>
             </a:r>
             <a:r>
               <a:rPr lang="ko-KR" altLang="en-US" dirty="0" err="1">

--- a/4강/객체지향프로그래밍 이론.pptx
+++ b/4강/객체지향프로그래밍 이론.pptx
@@ -15,7 +15,8 @@
     <p:sldId id="262" r:id="rId9"/>
     <p:sldId id="263" r:id="rId10"/>
     <p:sldId id="265" r:id="rId11"/>
-    <p:sldId id="267" r:id="rId12"/>
+    <p:sldId id="268" r:id="rId12"/>
+    <p:sldId id="267" r:id="rId13"/>
   </p:sldIdLst>
   <p:sldSz cx="12192000" cy="6858000"/>
   <p:notesSz cx="6858000" cy="9144000"/>
@@ -11936,6 +11937,517 @@
       </p:grpSpPr>
       <p:sp>
         <p:nvSpPr>
+          <p:cNvPr id="2" name="제목 1">
+            <a:extLst>
+              <a:ext uri="{FF2B5EF4-FFF2-40B4-BE49-F238E27FC236}">
+                <a16:creationId xmlns:a16="http://schemas.microsoft.com/office/drawing/2014/main" id="{9D78A15E-4D96-433B-9564-13D06B5F5BB3}"/>
+              </a:ext>
+            </a:extLst>
+          </p:cNvPr>
+          <p:cNvSpPr>
+            <a:spLocks noGrp="1"/>
+          </p:cNvSpPr>
+          <p:nvPr>
+            <p:ph type="title"/>
+          </p:nvPr>
+        </p:nvSpPr>
+        <p:spPr/>
+        <p:txBody>
+          <a:bodyPr/>
+          <a:lstStyle/>
+          <a:p>
+            <a:r>
+              <a:rPr lang="en-US" altLang="ko-KR" dirty="0">
+                <a:latin typeface="배달의민족 한나는 열한살" panose="020B0600000101010101" pitchFamily="50" charset="-127"/>
+                <a:ea typeface="배달의민족 한나는 열한살" panose="020B0600000101010101" pitchFamily="50" charset="-127"/>
+              </a:rPr>
+              <a:t>C++</a:t>
+            </a:r>
+            <a:r>
+              <a:rPr lang="ko-KR" altLang="en-US" dirty="0">
+                <a:latin typeface="배달의민족 한나는 열한살" panose="020B0600000101010101" pitchFamily="50" charset="-127"/>
+                <a:ea typeface="배달의민족 한나는 열한살" panose="020B0600000101010101" pitchFamily="50" charset="-127"/>
+              </a:rPr>
+              <a:t>에서의 객체지향 프로그래밍</a:t>
+            </a:r>
+          </a:p>
+        </p:txBody>
+      </p:sp>
+      <p:sp>
+        <p:nvSpPr>
+          <p:cNvPr id="6" name="사각형: 둥근 모서리 5">
+            <a:extLst>
+              <a:ext uri="{FF2B5EF4-FFF2-40B4-BE49-F238E27FC236}">
+                <a16:creationId xmlns:a16="http://schemas.microsoft.com/office/drawing/2014/main" id="{A3A9C9DB-B6C7-41CA-87FC-6F81329E2D10}"/>
+              </a:ext>
+            </a:extLst>
+          </p:cNvPr>
+          <p:cNvSpPr/>
+          <p:nvPr/>
+        </p:nvSpPr>
+        <p:spPr>
+          <a:xfrm>
+            <a:off x="1383216" y="2272264"/>
+            <a:ext cx="3206287" cy="4081442"/>
+          </a:xfrm>
+          <a:prstGeom prst="roundRect">
+            <a:avLst>
+              <a:gd name="adj" fmla="val 12505"/>
+            </a:avLst>
+          </a:prstGeom>
+        </p:spPr>
+        <p:style>
+          <a:lnRef idx="2">
+            <a:schemeClr val="dk1"/>
+          </a:lnRef>
+          <a:fillRef idx="1">
+            <a:schemeClr val="lt1"/>
+          </a:fillRef>
+          <a:effectRef idx="0">
+            <a:schemeClr val="dk1"/>
+          </a:effectRef>
+          <a:fontRef idx="minor">
+            <a:schemeClr val="dk1"/>
+          </a:fontRef>
+        </p:style>
+        <p:txBody>
+          <a:bodyPr rtlCol="0" anchor="ctr"/>
+          <a:lstStyle/>
+          <a:p>
+            <a:r>
+              <a:rPr lang="en-US" altLang="ko-KR" dirty="0">
+                <a:latin typeface="나눔스퀘어라운드 Bold" panose="020B0600000101010101" pitchFamily="50" charset="-127"/>
+                <a:ea typeface="나눔스퀘어라운드 Bold" panose="020B0600000101010101" pitchFamily="50" charset="-127"/>
+              </a:rPr>
+              <a:t>class Human</a:t>
+            </a:r>
+          </a:p>
+          <a:p>
+            <a:r>
+              <a:rPr lang="en-US" altLang="ko-KR" dirty="0">
+                <a:latin typeface="나눔스퀘어라운드 Bold" panose="020B0600000101010101" pitchFamily="50" charset="-127"/>
+                <a:ea typeface="나눔스퀘어라운드 Bold" panose="020B0600000101010101" pitchFamily="50" charset="-127"/>
+              </a:rPr>
+              <a:t>{</a:t>
+            </a:r>
+          </a:p>
+          <a:p>
+            <a:r>
+              <a:rPr lang="en-US" altLang="ko-KR" dirty="0">
+                <a:latin typeface="나눔스퀘어라운드 Bold" panose="020B0600000101010101" pitchFamily="50" charset="-127"/>
+                <a:ea typeface="나눔스퀘어라운드 Bold" panose="020B0600000101010101" pitchFamily="50" charset="-127"/>
+              </a:rPr>
+              <a:t>	public:</a:t>
+            </a:r>
+          </a:p>
+          <a:p>
+            <a:r>
+              <a:rPr lang="en-US" altLang="ko-KR" dirty="0">
+                <a:latin typeface="나눔스퀘어라운드 Bold" panose="020B0600000101010101" pitchFamily="50" charset="-127"/>
+                <a:ea typeface="나눔스퀘어라운드 Bold" panose="020B0600000101010101" pitchFamily="50" charset="-127"/>
+              </a:rPr>
+              <a:t>		string name;</a:t>
+            </a:r>
+          </a:p>
+          <a:p>
+            <a:r>
+              <a:rPr lang="en-US" altLang="ko-KR" dirty="0">
+                <a:latin typeface="나눔스퀘어라운드 Bold" panose="020B0600000101010101" pitchFamily="50" charset="-127"/>
+                <a:ea typeface="나눔스퀘어라운드 Bold" panose="020B0600000101010101" pitchFamily="50" charset="-127"/>
+              </a:rPr>
+              <a:t>		int age;</a:t>
+            </a:r>
+          </a:p>
+          <a:p>
+            <a:r>
+              <a:rPr lang="en-US" altLang="ko-KR" dirty="0">
+                <a:latin typeface="나눔스퀘어라운드 Bold" panose="020B0600000101010101" pitchFamily="50" charset="-127"/>
+                <a:ea typeface="나눔스퀘어라운드 Bold" panose="020B0600000101010101" pitchFamily="50" charset="-127"/>
+              </a:rPr>
+              <a:t>		void </a:t>
+            </a:r>
+            <a:r>
+              <a:rPr lang="en-US" altLang="ko-KR" dirty="0" err="1">
+                <a:latin typeface="나눔스퀘어라운드 Bold" panose="020B0600000101010101" pitchFamily="50" charset="-127"/>
+                <a:ea typeface="나눔스퀘어라운드 Bold" panose="020B0600000101010101" pitchFamily="50" charset="-127"/>
+              </a:rPr>
+              <a:t>sayName</a:t>
+            </a:r>
+            <a:r>
+              <a:rPr lang="en-US" altLang="ko-KR" dirty="0">
+                <a:latin typeface="나눔스퀘어라운드 Bold" panose="020B0600000101010101" pitchFamily="50" charset="-127"/>
+                <a:ea typeface="나눔스퀘어라운드 Bold" panose="020B0600000101010101" pitchFamily="50" charset="-127"/>
+              </a:rPr>
+              <a:t>();</a:t>
+            </a:r>
+          </a:p>
+          <a:p>
+            <a:r>
+              <a:rPr lang="en-US" altLang="ko-KR" dirty="0">
+                <a:latin typeface="나눔스퀘어라운드 Bold" panose="020B0600000101010101" pitchFamily="50" charset="-127"/>
+                <a:ea typeface="나눔스퀘어라운드 Bold" panose="020B0600000101010101" pitchFamily="50" charset="-127"/>
+              </a:rPr>
+              <a:t>	private:</a:t>
+            </a:r>
+          </a:p>
+          <a:p>
+            <a:r>
+              <a:rPr lang="en-US" altLang="ko-KR" dirty="0">
+                <a:latin typeface="나눔스퀘어라운드 Bold" panose="020B0600000101010101" pitchFamily="50" charset="-127"/>
+                <a:ea typeface="나눔스퀘어라운드 Bold" panose="020B0600000101010101" pitchFamily="50" charset="-127"/>
+              </a:rPr>
+              <a:t>		string </a:t>
+            </a:r>
+            <a:r>
+              <a:rPr lang="en-US" altLang="ko-KR" dirty="0" err="1">
+                <a:latin typeface="나눔스퀘어라운드 Bold" panose="020B0600000101010101" pitchFamily="50" charset="-127"/>
+                <a:ea typeface="나눔스퀘어라운드 Bold" panose="020B0600000101010101" pitchFamily="50" charset="-127"/>
+              </a:rPr>
+              <a:t>ssn</a:t>
+            </a:r>
+            <a:r>
+              <a:rPr lang="en-US" altLang="ko-KR" dirty="0">
+                <a:latin typeface="나눔스퀘어라운드 Bold" panose="020B0600000101010101" pitchFamily="50" charset="-127"/>
+                <a:ea typeface="나눔스퀘어라운드 Bold" panose="020B0600000101010101" pitchFamily="50" charset="-127"/>
+              </a:rPr>
+              <a:t>;</a:t>
+            </a:r>
+          </a:p>
+          <a:p>
+            <a:r>
+              <a:rPr lang="en-US" altLang="ko-KR" dirty="0">
+                <a:latin typeface="나눔스퀘어라운드 Bold" panose="020B0600000101010101" pitchFamily="50" charset="-127"/>
+                <a:ea typeface="나눔스퀘어라운드 Bold" panose="020B0600000101010101" pitchFamily="50" charset="-127"/>
+              </a:rPr>
+              <a:t>} ;</a:t>
+            </a:r>
+            <a:endParaRPr lang="ko-KR" altLang="en-US" dirty="0">
+              <a:latin typeface="나눔스퀘어라운드 Bold" panose="020B0600000101010101" pitchFamily="50" charset="-127"/>
+              <a:ea typeface="나눔스퀘어라운드 Bold" panose="020B0600000101010101" pitchFamily="50" charset="-127"/>
+            </a:endParaRPr>
+          </a:p>
+        </p:txBody>
+      </p:sp>
+      <p:sp>
+        <p:nvSpPr>
+          <p:cNvPr id="7" name="사각형: 둥근 모서리 6">
+            <a:extLst>
+              <a:ext uri="{FF2B5EF4-FFF2-40B4-BE49-F238E27FC236}">
+                <a16:creationId xmlns:a16="http://schemas.microsoft.com/office/drawing/2014/main" id="{5FFB5A58-DE9A-4C2C-BBD7-10E4FFCEB21E}"/>
+              </a:ext>
+            </a:extLst>
+          </p:cNvPr>
+          <p:cNvSpPr/>
+          <p:nvPr/>
+        </p:nvSpPr>
+        <p:spPr>
+          <a:xfrm>
+            <a:off x="6488943" y="2272264"/>
+            <a:ext cx="3206287" cy="4081442"/>
+          </a:xfrm>
+          <a:prstGeom prst="roundRect">
+            <a:avLst>
+              <a:gd name="adj" fmla="val 12995"/>
+            </a:avLst>
+          </a:prstGeom>
+        </p:spPr>
+        <p:style>
+          <a:lnRef idx="2">
+            <a:schemeClr val="dk1"/>
+          </a:lnRef>
+          <a:fillRef idx="1">
+            <a:schemeClr val="lt1"/>
+          </a:fillRef>
+          <a:effectRef idx="0">
+            <a:schemeClr val="dk1"/>
+          </a:effectRef>
+          <a:fontRef idx="minor">
+            <a:schemeClr val="dk1"/>
+          </a:fontRef>
+        </p:style>
+        <p:txBody>
+          <a:bodyPr rtlCol="0" anchor="ctr"/>
+          <a:lstStyle/>
+          <a:p>
+            <a:r>
+              <a:rPr lang="en-US" altLang="ko-KR" dirty="0">
+                <a:latin typeface="나눔스퀘어라운드 Bold" panose="020B0600000101010101" pitchFamily="50" charset="-127"/>
+                <a:ea typeface="나눔스퀘어라운드 Bold" panose="020B0600000101010101" pitchFamily="50" charset="-127"/>
+              </a:rPr>
+              <a:t>#include “</a:t>
+            </a:r>
+            <a:r>
+              <a:rPr lang="en-US" altLang="ko-KR" dirty="0" err="1">
+                <a:latin typeface="나눔스퀘어라운드 Bold" panose="020B0600000101010101" pitchFamily="50" charset="-127"/>
+                <a:ea typeface="나눔스퀘어라운드 Bold" panose="020B0600000101010101" pitchFamily="50" charset="-127"/>
+              </a:rPr>
+              <a:t>Human.h</a:t>
+            </a:r>
+            <a:r>
+              <a:rPr lang="en-US" altLang="ko-KR" dirty="0">
+                <a:latin typeface="나눔스퀘어라운드 Bold" panose="020B0600000101010101" pitchFamily="50" charset="-127"/>
+                <a:ea typeface="나눔스퀘어라운드 Bold" panose="020B0600000101010101" pitchFamily="50" charset="-127"/>
+              </a:rPr>
+              <a:t>”</a:t>
+            </a:r>
+          </a:p>
+          <a:p>
+            <a:r>
+              <a:rPr lang="en-US" altLang="ko-KR" dirty="0">
+                <a:latin typeface="나눔스퀘어라운드 Bold" panose="020B0600000101010101" pitchFamily="50" charset="-127"/>
+                <a:ea typeface="나눔스퀘어라운드 Bold" panose="020B0600000101010101" pitchFamily="50" charset="-127"/>
+              </a:rPr>
+              <a:t>#include</a:t>
+            </a:r>
+            <a:r>
+              <a:rPr lang="ko-KR" altLang="en-US" dirty="0">
+                <a:latin typeface="나눔스퀘어라운드 Bold" panose="020B0600000101010101" pitchFamily="50" charset="-127"/>
+                <a:ea typeface="나눔스퀘어라운드 Bold" panose="020B0600000101010101" pitchFamily="50" charset="-127"/>
+              </a:rPr>
+              <a:t> </a:t>
+            </a:r>
+            <a:r>
+              <a:rPr lang="en-US" altLang="ko-KR" dirty="0">
+                <a:latin typeface="나눔스퀘어라운드 Bold" panose="020B0600000101010101" pitchFamily="50" charset="-127"/>
+                <a:ea typeface="나눔스퀘어라운드 Bold" panose="020B0600000101010101" pitchFamily="50" charset="-127"/>
+              </a:rPr>
+              <a:t>&lt;iostream&gt;</a:t>
+            </a:r>
+          </a:p>
+          <a:p>
+            <a:endParaRPr lang="en-US" altLang="ko-KR" dirty="0">
+              <a:latin typeface="나눔스퀘어라운드 Bold" panose="020B0600000101010101" pitchFamily="50" charset="-127"/>
+              <a:ea typeface="나눔스퀘어라운드 Bold" panose="020B0600000101010101" pitchFamily="50" charset="-127"/>
+            </a:endParaRPr>
+          </a:p>
+          <a:p>
+            <a:r>
+              <a:rPr lang="en-US" altLang="ko-KR" dirty="0">
+                <a:latin typeface="나눔스퀘어라운드 Bold" panose="020B0600000101010101" pitchFamily="50" charset="-127"/>
+                <a:ea typeface="나눔스퀘어라운드 Bold" panose="020B0600000101010101" pitchFamily="50" charset="-127"/>
+              </a:rPr>
+              <a:t>void Human::</a:t>
+            </a:r>
+            <a:r>
+              <a:rPr lang="en-US" altLang="ko-KR" dirty="0" err="1">
+                <a:latin typeface="나눔스퀘어라운드 Bold" panose="020B0600000101010101" pitchFamily="50" charset="-127"/>
+                <a:ea typeface="나눔스퀘어라운드 Bold" panose="020B0600000101010101" pitchFamily="50" charset="-127"/>
+              </a:rPr>
+              <a:t>sayName</a:t>
+            </a:r>
+            <a:r>
+              <a:rPr lang="en-US" altLang="ko-KR" dirty="0">
+                <a:latin typeface="나눔스퀘어라운드 Bold" panose="020B0600000101010101" pitchFamily="50" charset="-127"/>
+                <a:ea typeface="나눔스퀘어라운드 Bold" panose="020B0600000101010101" pitchFamily="50" charset="-127"/>
+              </a:rPr>
+              <a:t>()</a:t>
+            </a:r>
+            <a:br>
+              <a:rPr lang="en-US" altLang="ko-KR" dirty="0">
+                <a:latin typeface="나눔스퀘어라운드 Bold" panose="020B0600000101010101" pitchFamily="50" charset="-127"/>
+                <a:ea typeface="나눔스퀘어라운드 Bold" panose="020B0600000101010101" pitchFamily="50" charset="-127"/>
+              </a:rPr>
+            </a:br>
+            <a:r>
+              <a:rPr lang="en-US" altLang="ko-KR" dirty="0">
+                <a:latin typeface="나눔스퀘어라운드 Bold" panose="020B0600000101010101" pitchFamily="50" charset="-127"/>
+                <a:ea typeface="나눔스퀘어라운드 Bold" panose="020B0600000101010101" pitchFamily="50" charset="-127"/>
+              </a:rPr>
+              <a:t>{</a:t>
+            </a:r>
+            <a:br>
+              <a:rPr lang="en-US" altLang="ko-KR" dirty="0">
+                <a:latin typeface="나눔스퀘어라운드 Bold" panose="020B0600000101010101" pitchFamily="50" charset="-127"/>
+                <a:ea typeface="나눔스퀘어라운드 Bold" panose="020B0600000101010101" pitchFamily="50" charset="-127"/>
+              </a:rPr>
+            </a:br>
+            <a:r>
+              <a:rPr lang="en-US" altLang="ko-KR" dirty="0">
+                <a:latin typeface="나눔스퀘어라운드 Bold" panose="020B0600000101010101" pitchFamily="50" charset="-127"/>
+                <a:ea typeface="나눔스퀘어라운드 Bold" panose="020B0600000101010101" pitchFamily="50" charset="-127"/>
+              </a:rPr>
+              <a:t>	</a:t>
+            </a:r>
+            <a:r>
+              <a:rPr lang="en-US" altLang="ko-KR" dirty="0" err="1">
+                <a:latin typeface="나눔스퀘어라운드 Bold" panose="020B0600000101010101" pitchFamily="50" charset="-127"/>
+                <a:ea typeface="나눔스퀘어라운드 Bold" panose="020B0600000101010101" pitchFamily="50" charset="-127"/>
+              </a:rPr>
+              <a:t>cout</a:t>
+            </a:r>
+            <a:r>
+              <a:rPr lang="en-US" altLang="ko-KR" dirty="0">
+                <a:latin typeface="나눔스퀘어라운드 Bold" panose="020B0600000101010101" pitchFamily="50" charset="-127"/>
+                <a:ea typeface="나눔스퀘어라운드 Bold" panose="020B0600000101010101" pitchFamily="50" charset="-127"/>
+              </a:rPr>
+              <a:t>&lt;&lt;“</a:t>
+            </a:r>
+            <a:r>
+              <a:rPr lang="ko-KR" altLang="en-US" dirty="0">
+                <a:latin typeface="나눔스퀘어라운드 Bold" panose="020B0600000101010101" pitchFamily="50" charset="-127"/>
+                <a:ea typeface="나눔스퀘어라운드 Bold" panose="020B0600000101010101" pitchFamily="50" charset="-127"/>
+              </a:rPr>
+              <a:t>나는</a:t>
+            </a:r>
+            <a:r>
+              <a:rPr lang="en-US" altLang="ko-KR" dirty="0">
+                <a:latin typeface="나눔스퀘어라운드 Bold" panose="020B0600000101010101" pitchFamily="50" charset="-127"/>
+                <a:ea typeface="나눔스퀘어라운드 Bold" panose="020B0600000101010101" pitchFamily="50" charset="-127"/>
+              </a:rPr>
+              <a:t>”&lt;&lt;name;</a:t>
+            </a:r>
+          </a:p>
+          <a:p>
+            <a:r>
+              <a:rPr lang="en-US" altLang="ko-KR" dirty="0">
+                <a:latin typeface="나눔스퀘어라운드 Bold" panose="020B0600000101010101" pitchFamily="50" charset="-127"/>
+                <a:ea typeface="나눔스퀘어라운드 Bold" panose="020B0600000101010101" pitchFamily="50" charset="-127"/>
+              </a:rPr>
+              <a:t>}</a:t>
+            </a:r>
+          </a:p>
+        </p:txBody>
+      </p:sp>
+      <p:sp>
+        <p:nvSpPr>
+          <p:cNvPr id="8" name="직사각형 7">
+            <a:extLst>
+              <a:ext uri="{FF2B5EF4-FFF2-40B4-BE49-F238E27FC236}">
+                <a16:creationId xmlns:a16="http://schemas.microsoft.com/office/drawing/2014/main" id="{8A5F465A-10D9-40BA-82F2-41FBFBE68E4C}"/>
+              </a:ext>
+            </a:extLst>
+          </p:cNvPr>
+          <p:cNvSpPr/>
+          <p:nvPr/>
+        </p:nvSpPr>
+        <p:spPr>
+          <a:xfrm>
+            <a:off x="1383216" y="2150606"/>
+            <a:ext cx="1399229" cy="486633"/>
+          </a:xfrm>
+          <a:prstGeom prst="rect">
+            <a:avLst/>
+          </a:prstGeom>
+        </p:spPr>
+        <p:style>
+          <a:lnRef idx="2">
+            <a:schemeClr val="dk1"/>
+          </a:lnRef>
+          <a:fillRef idx="1">
+            <a:schemeClr val="lt1"/>
+          </a:fillRef>
+          <a:effectRef idx="0">
+            <a:schemeClr val="dk1"/>
+          </a:effectRef>
+          <a:fontRef idx="minor">
+            <a:schemeClr val="dk1"/>
+          </a:fontRef>
+        </p:style>
+        <p:txBody>
+          <a:bodyPr rtlCol="0" anchor="ctr"/>
+          <a:lstStyle/>
+          <a:p>
+            <a:pPr algn="ctr"/>
+            <a:r>
+              <a:rPr lang="en-US" altLang="ko-KR" dirty="0" err="1">
+                <a:latin typeface="나눔스퀘어라운드 Bold" panose="020B0600000101010101" pitchFamily="50" charset="-127"/>
+                <a:ea typeface="나눔스퀘어라운드 Bold" panose="020B0600000101010101" pitchFamily="50" charset="-127"/>
+              </a:rPr>
+              <a:t>Human.h</a:t>
+            </a:r>
+            <a:endParaRPr lang="ko-KR" altLang="en-US" dirty="0">
+              <a:latin typeface="나눔스퀘어라운드 Bold" panose="020B0600000101010101" pitchFamily="50" charset="-127"/>
+              <a:ea typeface="나눔스퀘어라운드 Bold" panose="020B0600000101010101" pitchFamily="50" charset="-127"/>
+            </a:endParaRPr>
+          </a:p>
+        </p:txBody>
+      </p:sp>
+      <p:sp>
+        <p:nvSpPr>
+          <p:cNvPr id="9" name="직사각형 8">
+            <a:extLst>
+              <a:ext uri="{FF2B5EF4-FFF2-40B4-BE49-F238E27FC236}">
+                <a16:creationId xmlns:a16="http://schemas.microsoft.com/office/drawing/2014/main" id="{1054EDEE-6DC6-49E1-8E72-E60FB0F9C421}"/>
+              </a:ext>
+            </a:extLst>
+          </p:cNvPr>
+          <p:cNvSpPr/>
+          <p:nvPr/>
+        </p:nvSpPr>
+        <p:spPr>
+          <a:xfrm>
+            <a:off x="6488943" y="2150606"/>
+            <a:ext cx="1426700" cy="486633"/>
+          </a:xfrm>
+          <a:prstGeom prst="rect">
+            <a:avLst/>
+          </a:prstGeom>
+        </p:spPr>
+        <p:style>
+          <a:lnRef idx="2">
+            <a:schemeClr val="dk1"/>
+          </a:lnRef>
+          <a:fillRef idx="1">
+            <a:schemeClr val="lt1"/>
+          </a:fillRef>
+          <a:effectRef idx="0">
+            <a:schemeClr val="dk1"/>
+          </a:effectRef>
+          <a:fontRef idx="minor">
+            <a:schemeClr val="dk1"/>
+          </a:fontRef>
+        </p:style>
+        <p:txBody>
+          <a:bodyPr rtlCol="0" anchor="ctr"/>
+          <a:lstStyle/>
+          <a:p>
+            <a:pPr algn="ctr"/>
+            <a:r>
+              <a:rPr lang="en-US" altLang="ko-KR" dirty="0">
+                <a:latin typeface="나눔스퀘어라운드 Bold" panose="020B0600000101010101" pitchFamily="50" charset="-127"/>
+                <a:ea typeface="나눔스퀘어라운드 Bold" panose="020B0600000101010101" pitchFamily="50" charset="-127"/>
+              </a:rPr>
+              <a:t>Human.cpp</a:t>
+            </a:r>
+            <a:endParaRPr lang="ko-KR" altLang="en-US" dirty="0">
+              <a:latin typeface="나눔스퀘어라운드 Bold" panose="020B0600000101010101" pitchFamily="50" charset="-127"/>
+              <a:ea typeface="나눔스퀘어라운드 Bold" panose="020B0600000101010101" pitchFamily="50" charset="-127"/>
+            </a:endParaRPr>
+          </a:p>
+        </p:txBody>
+      </p:sp>
+    </p:spTree>
+    <p:extLst>
+      <p:ext uri="{BB962C8B-B14F-4D97-AF65-F5344CB8AC3E}">
+        <p14:creationId xmlns:p14="http://schemas.microsoft.com/office/powerpoint/2010/main" val="2363070006"/>
+      </p:ext>
+    </p:extLst>
+  </p:cSld>
+  <p:clrMapOvr>
+    <a:masterClrMapping/>
+  </p:clrMapOvr>
+</p:sld>
+</file>
+
+<file path=ppt/slides/slide12.xml><?xml version="1.0" encoding="utf-8"?>
+<p:sld xmlns:a="http://schemas.openxmlformats.org/drawingml/2006/main" xmlns:r="http://schemas.openxmlformats.org/officeDocument/2006/relationships" xmlns:p="http://schemas.openxmlformats.org/presentationml/2006/main">
+  <p:cSld>
+    <p:spTree>
+      <p:nvGrpSpPr>
+        <p:cNvPr id="1" name=""/>
+        <p:cNvGrpSpPr/>
+        <p:nvPr/>
+      </p:nvGrpSpPr>
+      <p:grpSpPr>
+        <a:xfrm>
+          <a:off x="0" y="0"/>
+          <a:ext cx="0" cy="0"/>
+          <a:chOff x="0" y="0"/>
+          <a:chExt cx="0" cy="0"/>
+        </a:xfrm>
+      </p:grpSpPr>
+      <p:sp>
+        <p:nvSpPr>
           <p:cNvPr id="4" name="제목 3">
             <a:extLst>
               <a:ext uri="{FF2B5EF4-FFF2-40B4-BE49-F238E27FC236}">
@@ -12082,6 +12594,24 @@
         <p:txBody>
           <a:bodyPr/>
           <a:lstStyle/>
+          <a:p>
+            <a:endParaRPr lang="en-US" altLang="ko-KR" dirty="0">
+              <a:latin typeface="나눔스퀘어 Bold" panose="020B0600000101010101" pitchFamily="50" charset="-127"/>
+              <a:ea typeface="나눔스퀘어 Bold" panose="020B0600000101010101" pitchFamily="50" charset="-127"/>
+            </a:endParaRPr>
+          </a:p>
+          <a:p>
+            <a:endParaRPr lang="en-US" altLang="ko-KR" dirty="0">
+              <a:latin typeface="나눔스퀘어 Bold" panose="020B0600000101010101" pitchFamily="50" charset="-127"/>
+              <a:ea typeface="나눔스퀘어 Bold" panose="020B0600000101010101" pitchFamily="50" charset="-127"/>
+            </a:endParaRPr>
+          </a:p>
+          <a:p>
+            <a:endParaRPr lang="en-US" altLang="ko-KR" dirty="0">
+              <a:latin typeface="나눔스퀘어 Bold" panose="020B0600000101010101" pitchFamily="50" charset="-127"/>
+              <a:ea typeface="나눔스퀘어 Bold" panose="020B0600000101010101" pitchFamily="50" charset="-127"/>
+            </a:endParaRPr>
+          </a:p>
           <a:p>
             <a:r>
               <a:rPr lang="ko-KR" altLang="en-US" dirty="0">
